--- a/Green Screen.pptx
+++ b/Green Screen.pptx
@@ -8,10 +8,10 @@
     <p:sldId id="256" r:id="rId2"/>
     <p:sldId id="257" r:id="rId3"/>
     <p:sldId id="258" r:id="rId4"/>
-    <p:sldId id="259" r:id="rId5"/>
-    <p:sldId id="262" r:id="rId6"/>
-    <p:sldId id="264" r:id="rId7"/>
-    <p:sldId id="261" r:id="rId8"/>
+    <p:sldId id="262" r:id="rId5"/>
+    <p:sldId id="264" r:id="rId6"/>
+    <p:sldId id="261" r:id="rId7"/>
+    <p:sldId id="265" r:id="rId8"/>
     <p:sldId id="260" r:id="rId9"/>
   </p:sldIdLst>
   <p:sldSz cx="12192000" cy="6858000"/>
@@ -3615,7 +3615,7 @@
           <a:p>
             <a:r>
               <a:rPr lang="en-US" altLang="zh-TW" dirty="0"/>
-              <a:t>Energy usage of streaming -&gt; how the electricity is generated -&gt;</a:t>
+              <a:t>(Energy usage of streaming -&gt; how the electricity is generated -&gt;</a:t>
             </a:r>
             <a:r>
               <a:rPr lang="zh-TW" altLang="en-US" dirty="0"/>
@@ -3623,7 +3623,7 @@
             </a:r>
             <a:r>
               <a:rPr lang="en-US" altLang="zh-TW" dirty="0"/>
-              <a:t>carbon footprint</a:t>
+              <a:t>carbon footprint)</a:t>
             </a:r>
           </a:p>
           <a:p>
@@ -3642,39 +3642,7 @@
             </a:pPr>
             <a:r>
               <a:rPr lang="en-US" altLang="zh-TW" sz="2200" dirty="0"/>
-              <a:t>Data centers</a:t>
-            </a:r>
-          </a:p>
-          <a:p>
-            <a:pPr marL="1005840" lvl="2" indent="-457200">
-              <a:buFont typeface="+mj-lt"/>
-              <a:buAutoNum type="arabicPeriod"/>
-            </a:pPr>
-            <a:r>
-              <a:rPr lang="en-US" altLang="zh-TW" sz="2000" dirty="0"/>
-              <a:t>Data </a:t>
-            </a:r>
-            <a:r>
-              <a:rPr lang="en-US" altLang="zh-TW" sz="2000" dirty="0" err="1"/>
-              <a:t>centres</a:t>
-            </a:r>
-            <a:r>
-              <a:rPr lang="en-US" altLang="zh-TW" sz="2000" dirty="0"/>
-              <a:t> worldwide today consume around 1% of global electricity use</a:t>
-            </a:r>
-          </a:p>
-          <a:p>
-            <a:pPr marL="1005840" lvl="2" indent="-457200">
-              <a:buFont typeface="+mj-lt"/>
-              <a:buAutoNum type="arabicPeriod"/>
-            </a:pPr>
-            <a:r>
-              <a:rPr lang="en-US" altLang="zh-TW" sz="2000" dirty="0" err="1"/>
-              <a:t>Koomey’s</a:t>
-            </a:r>
-            <a:r>
-              <a:rPr lang="en-US" altLang="zh-TW" sz="2000" dirty="0"/>
-              <a:t> Law	</a:t>
+              <a:t>Data centers (5%)</a:t>
             </a:r>
           </a:p>
           <a:p>
@@ -3684,7 +3652,7 @@
             </a:pPr>
             <a:r>
               <a:rPr lang="en-US" altLang="zh-TW" sz="2200" dirty="0"/>
-              <a:t>Transmission networks</a:t>
+              <a:t>Transmission networks (23%)</a:t>
             </a:r>
           </a:p>
           <a:p>
@@ -3694,7 +3662,13 @@
             </a:pPr>
             <a:r>
               <a:rPr lang="en-US" altLang="zh-TW" sz="2200" dirty="0"/>
-              <a:t>End-user device</a:t>
+              <a:t>End-user device (72%)</a:t>
+            </a:r>
+          </a:p>
+          <a:p>
+            <a:r>
+              <a:rPr lang="en-US" altLang="zh-TW" sz="2400" dirty="0"/>
+              <a:t>User devices drives the impact of video streaming</a:t>
             </a:r>
           </a:p>
           <a:p>
@@ -3933,7 +3907,7 @@
           <p:cNvPr id="2" name="Title 1">
             <a:extLst>
               <a:ext uri="{FF2B5EF4-FFF2-40B4-BE49-F238E27FC236}">
-                <a16:creationId xmlns:a16="http://schemas.microsoft.com/office/drawing/2014/main" id="{D742FB6E-32DC-55B9-465F-D01A8FF3C101}"/>
+                <a16:creationId xmlns:a16="http://schemas.microsoft.com/office/drawing/2014/main" id="{BD43A14E-F5A7-FDD9-20B9-E3BE921CCF68}"/>
               </a:ext>
             </a:extLst>
           </p:cNvPr>
@@ -3951,7 +3925,7 @@
           <a:p>
             <a:r>
               <a:rPr lang="en-US" altLang="zh-TW" dirty="0"/>
-              <a:t>Facts</a:t>
+              <a:t>Comparison &amp; Conversion</a:t>
             </a:r>
             <a:endParaRPr lang="zh-TW" altLang="en-US" dirty="0"/>
           </a:p>
@@ -3962,7 +3936,7 @@
           <p:cNvPr id="3" name="Content Placeholder 2">
             <a:extLst>
               <a:ext uri="{FF2B5EF4-FFF2-40B4-BE49-F238E27FC236}">
-                <a16:creationId xmlns:a16="http://schemas.microsoft.com/office/drawing/2014/main" id="{BBB0685C-A705-5065-9DEA-A603C5221F78}"/>
+                <a16:creationId xmlns:a16="http://schemas.microsoft.com/office/drawing/2014/main" id="{9CBAED6D-0425-1530-4EAC-5B4ED0374E2C}"/>
               </a:ext>
             </a:extLst>
           </p:cNvPr>
@@ -3980,21 +3954,38 @@
           <a:p>
             <a:r>
               <a:rPr lang="en-US" altLang="zh-TW" dirty="0"/>
-              <a:t>User devices drives the impact of video streaming</a:t>
+              <a:t>C02 emissions of 1h show on Netflix: 36gCO2e  = drive 200 m in conventional car (IEA)</a:t>
             </a:r>
           </a:p>
           <a:p>
             <a:r>
               <a:rPr lang="en-US" altLang="zh-TW" dirty="0"/>
-              <a:t>C02 emissions of 1h show on Netflix: 36gCO2e  = drive 200 m in conventional car (IEA)</a:t>
-            </a:r>
+              <a:t>driving 5km: 925g CO2e</a:t>
+            </a:r>
+          </a:p>
+          <a:p>
+            <a:r>
+              <a:rPr lang="en-US" altLang="zh-TW" dirty="0"/>
+              <a:t>boiling a kettle: 34g Co2</a:t>
+            </a:r>
+          </a:p>
+          <a:p>
+            <a:r>
+              <a:rPr lang="en-US" altLang="zh-TW" dirty="0"/>
+              <a:t>One tree (of 19 1/2” circumference) absorbs 4.2 g CO2/</a:t>
+            </a:r>
+            <a:r>
+              <a:rPr lang="en-US" altLang="zh-TW" dirty="0" err="1"/>
+              <a:t>hr</a:t>
+            </a:r>
+            <a:endParaRPr lang="zh-TW" altLang="en-US" dirty="0"/>
           </a:p>
         </p:txBody>
       </p:sp>
     </p:spTree>
     <p:extLst>
       <p:ext uri="{BB962C8B-B14F-4D97-AF65-F5344CB8AC3E}">
-        <p14:creationId xmlns:p14="http://schemas.microsoft.com/office/powerpoint/2010/main" val="710222357"/>
+        <p14:creationId xmlns:p14="http://schemas.microsoft.com/office/powerpoint/2010/main" val="973213806"/>
       </p:ext>
     </p:extLst>
   </p:cSld>
@@ -4026,7 +4017,7 @@
           <p:cNvPr id="2" name="Title 1">
             <a:extLst>
               <a:ext uri="{FF2B5EF4-FFF2-40B4-BE49-F238E27FC236}">
-                <a16:creationId xmlns:a16="http://schemas.microsoft.com/office/drawing/2014/main" id="{BD43A14E-F5A7-FDD9-20B9-E3BE921CCF68}"/>
+                <a16:creationId xmlns:a16="http://schemas.microsoft.com/office/drawing/2014/main" id="{9CB7D0C4-C089-0FF4-9F1F-5661C31720B4}"/>
               </a:ext>
             </a:extLst>
           </p:cNvPr>
@@ -4044,7 +4035,7 @@
           <a:p>
             <a:r>
               <a:rPr lang="en-US" altLang="zh-TW" dirty="0"/>
-              <a:t>Comparison &amp; Conversion</a:t>
+              <a:t>Current World</a:t>
             </a:r>
             <a:endParaRPr lang="zh-TW" altLang="en-US" dirty="0"/>
           </a:p>
@@ -4055,7 +4046,7 @@
           <p:cNvPr id="3" name="Content Placeholder 2">
             <a:extLst>
               <a:ext uri="{FF2B5EF4-FFF2-40B4-BE49-F238E27FC236}">
-                <a16:creationId xmlns:a16="http://schemas.microsoft.com/office/drawing/2014/main" id="{9CBAED6D-0425-1530-4EAC-5B4ED0374E2C}"/>
+                <a16:creationId xmlns:a16="http://schemas.microsoft.com/office/drawing/2014/main" id="{0ACFFB64-08F5-DC67-6FFC-F0D4EAA87B07}"/>
               </a:ext>
             </a:extLst>
           </p:cNvPr>
@@ -4073,16 +4064,20 @@
           <a:p>
             <a:r>
               <a:rPr lang="en-US" altLang="zh-TW" dirty="0"/>
-              <a:t>Compare with driving 5km</a:t>
+              <a:t>Energy efficiency of digital technologies has improved rapidly.</a:t>
             </a:r>
           </a:p>
           <a:p>
             <a:r>
               <a:rPr lang="en-US" altLang="zh-TW" dirty="0"/>
-              <a:t>Compare with boiling a kettle once</a:t>
-            </a:r>
-          </a:p>
-          <a:p>
+              <a:t>Streaming video is a fairly low-emitting activity, especially compared to driving to a cinema, for instance.</a:t>
+            </a:r>
+          </a:p>
+          <a:p>
+            <a:r>
+              <a:rPr lang="en-US" altLang="zh-TW" dirty="0"/>
+              <a:t>Streaming giants such as Netflix , Disney+, and YouTube aims for net-zero carbon footprint by largely purchasing renewable energy and carbon offsets.</a:t>
+            </a:r>
             <a:endParaRPr lang="zh-TW" altLang="en-US" dirty="0"/>
           </a:p>
         </p:txBody>
@@ -4090,7 +4085,7 @@
     </p:spTree>
     <p:extLst>
       <p:ext uri="{BB962C8B-B14F-4D97-AF65-F5344CB8AC3E}">
-        <p14:creationId xmlns:p14="http://schemas.microsoft.com/office/powerpoint/2010/main" val="973213806"/>
+        <p14:creationId xmlns:p14="http://schemas.microsoft.com/office/powerpoint/2010/main" val="2629444831"/>
       </p:ext>
     </p:extLst>
   </p:cSld>
@@ -4122,7 +4117,7 @@
           <p:cNvPr id="2" name="Title 1">
             <a:extLst>
               <a:ext uri="{FF2B5EF4-FFF2-40B4-BE49-F238E27FC236}">
-                <a16:creationId xmlns:a16="http://schemas.microsoft.com/office/drawing/2014/main" id="{9CB7D0C4-C089-0FF4-9F1F-5661C31720B4}"/>
+                <a16:creationId xmlns:a16="http://schemas.microsoft.com/office/drawing/2014/main" id="{75566254-1F1E-DB13-FD71-392E278E244E}"/>
               </a:ext>
             </a:extLst>
           </p:cNvPr>
@@ -4140,7 +4135,7 @@
           <a:p>
             <a:r>
               <a:rPr lang="en-US" altLang="zh-TW" dirty="0"/>
-              <a:t>Current World</a:t>
+              <a:t>What actions we can take</a:t>
             </a:r>
             <a:endParaRPr lang="zh-TW" altLang="en-US" dirty="0"/>
           </a:p>
@@ -4151,7 +4146,7 @@
           <p:cNvPr id="3" name="Content Placeholder 2">
             <a:extLst>
               <a:ext uri="{FF2B5EF4-FFF2-40B4-BE49-F238E27FC236}">
-                <a16:creationId xmlns:a16="http://schemas.microsoft.com/office/drawing/2014/main" id="{0ACFFB64-08F5-DC67-6FFC-F0D4EAA87B07}"/>
+                <a16:creationId xmlns:a16="http://schemas.microsoft.com/office/drawing/2014/main" id="{BA4F2C87-A0FC-4C7C-DC4B-7195FD106DBE}"/>
               </a:ext>
             </a:extLst>
           </p:cNvPr>
@@ -4169,28 +4164,27 @@
           <a:p>
             <a:r>
               <a:rPr lang="en-US" altLang="zh-TW" dirty="0"/>
-              <a:t>Energy efficiency of digital technologies has improved rapidly.</a:t>
+              <a:t>Switch to smaller device and screens</a:t>
             </a:r>
           </a:p>
           <a:p>
             <a:r>
               <a:rPr lang="en-US" altLang="zh-TW" dirty="0"/>
-              <a:t>Streaming video is a fairly low-emitting activity, especially compared to driving to a cinema, for instance.</a:t>
+              <a:t>Plant trees to absorb CO2</a:t>
             </a:r>
           </a:p>
           <a:p>
             <a:r>
               <a:rPr lang="en-US" altLang="zh-TW" dirty="0"/>
-              <a:t>Streaming giants such as Netflix , Disney+, and YouTube aims for net-zero carbon footprint by largely purchasing renewable energy and carbon offsets.</a:t>
-            </a:r>
-            <a:endParaRPr lang="zh-TW" altLang="en-US" dirty="0"/>
+              <a:t>E-bike workout</a:t>
+            </a:r>
           </a:p>
         </p:txBody>
       </p:sp>
     </p:spTree>
     <p:extLst>
       <p:ext uri="{BB962C8B-B14F-4D97-AF65-F5344CB8AC3E}">
-        <p14:creationId xmlns:p14="http://schemas.microsoft.com/office/powerpoint/2010/main" val="2629444831"/>
+        <p14:creationId xmlns:p14="http://schemas.microsoft.com/office/powerpoint/2010/main" val="1954260401"/>
       </p:ext>
     </p:extLst>
   </p:cSld>
@@ -4222,7 +4216,7 @@
           <p:cNvPr id="2" name="Title 1">
             <a:extLst>
               <a:ext uri="{FF2B5EF4-FFF2-40B4-BE49-F238E27FC236}">
-                <a16:creationId xmlns:a16="http://schemas.microsoft.com/office/drawing/2014/main" id="{75566254-1F1E-DB13-FD71-392E278E244E}"/>
+                <a16:creationId xmlns:a16="http://schemas.microsoft.com/office/drawing/2014/main" id="{6F6E862A-4728-F5CB-013A-55CB5FD6E793}"/>
               </a:ext>
             </a:extLst>
           </p:cNvPr>
@@ -4240,7 +4234,7 @@
           <a:p>
             <a:r>
               <a:rPr lang="en-US" altLang="zh-TW" dirty="0"/>
-              <a:t>Actions</a:t>
+              <a:t>YouTube Channels</a:t>
             </a:r>
             <a:endParaRPr lang="zh-TW" altLang="en-US" dirty="0"/>
           </a:p>
@@ -4251,7 +4245,7 @@
           <p:cNvPr id="3" name="Content Placeholder 2">
             <a:extLst>
               <a:ext uri="{FF2B5EF4-FFF2-40B4-BE49-F238E27FC236}">
-                <a16:creationId xmlns:a16="http://schemas.microsoft.com/office/drawing/2014/main" id="{BA4F2C87-A0FC-4C7C-DC4B-7195FD106DBE}"/>
+                <a16:creationId xmlns:a16="http://schemas.microsoft.com/office/drawing/2014/main" id="{676BBF2C-59A8-6DDF-A0CC-0A4839041457}"/>
               </a:ext>
             </a:extLst>
           </p:cNvPr>
@@ -4269,22 +4263,8 @@
           <a:p>
             <a:r>
               <a:rPr lang="en-US" altLang="zh-TW" dirty="0"/>
-              <a:t>Switch to smaller device and screens</a:t>
-            </a:r>
-          </a:p>
-          <a:p>
-            <a:r>
-              <a:rPr lang="en-US" altLang="zh-TW" dirty="0"/>
-              <a:t>Plant trees to absorb CO2</a:t>
-            </a:r>
-          </a:p>
-          <a:p>
-            <a:r>
-              <a:rPr lang="en-US" altLang="zh-TW" dirty="0"/>
-              <a:t>E-bike workout</a:t>
-            </a:r>
-          </a:p>
-          <a:p>
+              <a:t>Let’s see how much CO2 are emitted by each YouTube channels</a:t>
+            </a:r>
             <a:endParaRPr lang="zh-TW" altLang="en-US" dirty="0"/>
           </a:p>
         </p:txBody>
@@ -4292,7 +4272,7 @@
     </p:spTree>
     <p:extLst>
       <p:ext uri="{BB962C8B-B14F-4D97-AF65-F5344CB8AC3E}">
-        <p14:creationId xmlns:p14="http://schemas.microsoft.com/office/powerpoint/2010/main" val="1954260401"/>
+        <p14:creationId xmlns:p14="http://schemas.microsoft.com/office/powerpoint/2010/main" val="2423009334"/>
       </p:ext>
     </p:extLst>
   </p:cSld>
@@ -4403,7 +4383,19 @@
               <a:rPr lang="en-US" altLang="zh-TW" dirty="0">
                 <a:hlinkClick r:id="rId4"/>
               </a:rPr>
-              <a:t>How green is your screen time? </a:t>
+              <a:t>How green is your screen time?</a:t>
+            </a:r>
+          </a:p>
+          <a:p>
+            <a:r>
+              <a:rPr lang="en-US" altLang="zh-TW" dirty="0"/>
+              <a:t>8BillionTrees – </a:t>
+            </a:r>
+            <a:r>
+              <a:rPr lang="en-US" altLang="zh-TW" dirty="0">
+                <a:hlinkClick r:id="rId5"/>
+              </a:rPr>
+              <a:t>How much carbon does a tree capture? </a:t>
             </a:r>
             <a:endParaRPr lang="zh-TW" altLang="en-US" dirty="0"/>
           </a:p>

--- a/Green Screen.pptx
+++ b/Green Screen.pptx
@@ -9,8 +9,8 @@
     <p:sldId id="257" r:id="rId3"/>
     <p:sldId id="258" r:id="rId4"/>
     <p:sldId id="262" r:id="rId5"/>
-    <p:sldId id="264" r:id="rId6"/>
-    <p:sldId id="261" r:id="rId7"/>
+    <p:sldId id="261" r:id="rId6"/>
+    <p:sldId id="264" r:id="rId7"/>
     <p:sldId id="265" r:id="rId8"/>
     <p:sldId id="260" r:id="rId9"/>
   </p:sldIdLst>
@@ -111,6 +111,11 @@
       </a:defRPr>
     </a:lvl9pPr>
   </p:defaultTextStyle>
+  <p:extLst>
+    <p:ext uri="{EFAFB233-063F-42B5-8137-9DF3F51BA10A}">
+      <p15:sldGuideLst xmlns:p15="http://schemas.microsoft.com/office/powerpoint/2012/main"/>
+    </p:ext>
+  </p:extLst>
 </p:presentation>
 </file>
 
@@ -3521,7 +3526,13 @@
           <a:p>
             <a:r>
               <a:rPr lang="en-US" altLang="zh-TW" dirty="0"/>
-              <a:t>According to the International Energy Agency’s (IEA) September 2022 report, the data centers and transmission networks that facilitate streaming accounted for 1-1.5% of the world’s total electricity consumption and 1% of the planet’s total energy-related GHG emissions (0.6% of total global emissions) in 2021. </a:t>
+              <a:t>According to IEA*, data centers and transmission networks that facilitate streaming accounted for 1 - 1.5% of the world’s total energy consumption and 1% of the planet’s total energy-related GHG emissions.</a:t>
+            </a:r>
+          </a:p>
+          <a:p>
+            <a:r>
+              <a:rPr lang="en-US" altLang="zh-TW" dirty="0"/>
+              <a:t>(According to the International Energy Agency’s (IEA) September 2022 report, the data centers and transmission networks that facilitate streaming accounted for 1-1.5% of the world’s total electricity consumption and 1% of the planet’s total energy-related GHG emissions (0.6% of total global emissions) in 2021. )</a:t>
             </a:r>
             <a:endParaRPr lang="zh-TW" altLang="en-US" dirty="0"/>
           </a:p>
@@ -3664,16 +3675,6 @@
               <a:rPr lang="en-US" altLang="zh-TW" sz="2200" dirty="0"/>
               <a:t>End-user device (72%)</a:t>
             </a:r>
-          </a:p>
-          <a:p>
-            <a:r>
-              <a:rPr lang="en-US" altLang="zh-TW" sz="2400" dirty="0"/>
-              <a:t>User devices drives the impact of video streaming</a:t>
-            </a:r>
-          </a:p>
-          <a:p>
-            <a:pPr lvl="1"/>
-            <a:endParaRPr lang="zh-TW" altLang="en-US" dirty="0"/>
           </a:p>
         </p:txBody>
       </p:sp>
@@ -3960,16 +3961,25 @@
           <a:p>
             <a:r>
               <a:rPr lang="en-US" altLang="zh-TW" dirty="0"/>
+              <a:t>That equals: </a:t>
+            </a:r>
+          </a:p>
+          <a:p>
+            <a:pPr lvl="1"/>
+            <a:r>
+              <a:rPr lang="en-US" altLang="zh-TW" dirty="0"/>
               <a:t>driving 5km: 925g CO2e</a:t>
             </a:r>
           </a:p>
           <a:p>
+            <a:pPr lvl="1"/>
             <a:r>
               <a:rPr lang="en-US" altLang="zh-TW" dirty="0"/>
               <a:t>boiling a kettle: 34g Co2</a:t>
             </a:r>
           </a:p>
           <a:p>
+            <a:pPr lvl="1"/>
             <a:r>
               <a:rPr lang="en-US" altLang="zh-TW" dirty="0"/>
               <a:t>One tree (of 19 1/2” circumference) absorbs 4.2 g CO2/</a:t>
@@ -4017,7 +4027,7 @@
           <p:cNvPr id="2" name="Title 1">
             <a:extLst>
               <a:ext uri="{FF2B5EF4-FFF2-40B4-BE49-F238E27FC236}">
-                <a16:creationId xmlns:a16="http://schemas.microsoft.com/office/drawing/2014/main" id="{9CB7D0C4-C089-0FF4-9F1F-5661C31720B4}"/>
+                <a16:creationId xmlns:a16="http://schemas.microsoft.com/office/drawing/2014/main" id="{75566254-1F1E-DB13-FD71-392E278E244E}"/>
               </a:ext>
             </a:extLst>
           </p:cNvPr>
@@ -4035,7 +4045,7 @@
           <a:p>
             <a:r>
               <a:rPr lang="en-US" altLang="zh-TW" dirty="0"/>
-              <a:t>Current World</a:t>
+              <a:t>What actions we can take</a:t>
             </a:r>
             <a:endParaRPr lang="zh-TW" altLang="en-US" dirty="0"/>
           </a:p>
@@ -4046,7 +4056,7 @@
           <p:cNvPr id="3" name="Content Placeholder 2">
             <a:extLst>
               <a:ext uri="{FF2B5EF4-FFF2-40B4-BE49-F238E27FC236}">
-                <a16:creationId xmlns:a16="http://schemas.microsoft.com/office/drawing/2014/main" id="{0ACFFB64-08F5-DC67-6FFC-F0D4EAA87B07}"/>
+                <a16:creationId xmlns:a16="http://schemas.microsoft.com/office/drawing/2014/main" id="{BA4F2C87-A0FC-4C7C-DC4B-7195FD106DBE}"/>
               </a:ext>
             </a:extLst>
           </p:cNvPr>
@@ -4064,28 +4074,35 @@
           <a:p>
             <a:r>
               <a:rPr lang="en-US" altLang="zh-TW" dirty="0"/>
-              <a:t>Energy efficiency of digital technologies has improved rapidly.</a:t>
-            </a:r>
-          </a:p>
-          <a:p>
+              <a:t>Since </a:t>
+            </a:r>
+            <a:r>
+              <a:rPr lang="en-US" altLang="zh-TW" sz="2000" dirty="0"/>
+              <a:t>user devices drives the impact of video streaming, s</a:t>
+            </a:r>
             <a:r>
               <a:rPr lang="en-US" altLang="zh-TW" dirty="0"/>
-              <a:t>Streaming video is a fairly low-emitting activity, especially compared to driving to a cinema, for instance.</a:t>
+              <a:t>witching to smaller device and screens will significantly reduce streaming energy cost. </a:t>
             </a:r>
           </a:p>
           <a:p>
             <a:r>
               <a:rPr lang="en-US" altLang="zh-TW" dirty="0"/>
-              <a:t>Streaming giants such as Netflix , Disney+, and YouTube aims for net-zero carbon footprint by largely purchasing renewable energy and carbon offsets.</a:t>
-            </a:r>
-            <a:endParaRPr lang="zh-TW" altLang="en-US" dirty="0"/>
+              <a:t>Plant trees to absorb CO2</a:t>
+            </a:r>
+          </a:p>
+          <a:p>
+            <a:r>
+              <a:rPr lang="en-US" altLang="zh-TW" dirty="0"/>
+              <a:t>E-bike workout</a:t>
+            </a:r>
           </a:p>
         </p:txBody>
       </p:sp>
     </p:spTree>
     <p:extLst>
       <p:ext uri="{BB962C8B-B14F-4D97-AF65-F5344CB8AC3E}">
-        <p14:creationId xmlns:p14="http://schemas.microsoft.com/office/powerpoint/2010/main" val="2629444831"/>
+        <p14:creationId xmlns:p14="http://schemas.microsoft.com/office/powerpoint/2010/main" val="1954260401"/>
       </p:ext>
     </p:extLst>
   </p:cSld>
@@ -4117,7 +4134,7 @@
           <p:cNvPr id="2" name="Title 1">
             <a:extLst>
               <a:ext uri="{FF2B5EF4-FFF2-40B4-BE49-F238E27FC236}">
-                <a16:creationId xmlns:a16="http://schemas.microsoft.com/office/drawing/2014/main" id="{75566254-1F1E-DB13-FD71-392E278E244E}"/>
+                <a16:creationId xmlns:a16="http://schemas.microsoft.com/office/drawing/2014/main" id="{9CB7D0C4-C089-0FF4-9F1F-5661C31720B4}"/>
               </a:ext>
             </a:extLst>
           </p:cNvPr>
@@ -4135,7 +4152,7 @@
           <a:p>
             <a:r>
               <a:rPr lang="en-US" altLang="zh-TW" dirty="0"/>
-              <a:t>What actions we can take</a:t>
+              <a:t>Current World</a:t>
             </a:r>
             <a:endParaRPr lang="zh-TW" altLang="en-US" dirty="0"/>
           </a:p>
@@ -4146,7 +4163,7 @@
           <p:cNvPr id="3" name="Content Placeholder 2">
             <a:extLst>
               <a:ext uri="{FF2B5EF4-FFF2-40B4-BE49-F238E27FC236}">
-                <a16:creationId xmlns:a16="http://schemas.microsoft.com/office/drawing/2014/main" id="{BA4F2C87-A0FC-4C7C-DC4B-7195FD106DBE}"/>
+                <a16:creationId xmlns:a16="http://schemas.microsoft.com/office/drawing/2014/main" id="{0ACFFB64-08F5-DC67-6FFC-F0D4EAA87B07}"/>
               </a:ext>
             </a:extLst>
           </p:cNvPr>
@@ -4164,27 +4181,34 @@
           <a:p>
             <a:r>
               <a:rPr lang="en-US" altLang="zh-TW" dirty="0"/>
-              <a:t>Switch to smaller device and screens</a:t>
+              <a:t>Streaming video is a fairly low-emitting activity, especially compared to driving to a cinema, for instance.</a:t>
+            </a:r>
+            <a:r>
+              <a:rPr lang="zh-TW" altLang="en-US" dirty="0"/>
+              <a:t> </a:t>
             </a:r>
           </a:p>
           <a:p>
             <a:r>
               <a:rPr lang="en-US" altLang="zh-TW" dirty="0"/>
-              <a:t>Plant trees to absorb CO2</a:t>
-            </a:r>
-          </a:p>
-          <a:p>
+              <a:t>Energy efficiency of digital technologies has improved rapidly.</a:t>
+            </a:r>
+            <a:r>
+              <a:rPr lang="zh-TW" altLang="en-US" dirty="0"/>
+              <a:t> </a:t>
+            </a:r>
             <a:r>
               <a:rPr lang="en-US" altLang="zh-TW" dirty="0"/>
-              <a:t>E-bike workout</a:t>
-            </a:r>
+              <a:t>In addition, streaming giants such as Netflix , Disney+, and YouTube has shown commitment to reducing environmental impact by largely purchasing renewable energy and carbon offsets to reach the goal of net-zero carbon footprints.</a:t>
+            </a:r>
+            <a:endParaRPr lang="zh-TW" altLang="en-US" dirty="0"/>
           </a:p>
         </p:txBody>
       </p:sp>
     </p:spTree>
     <p:extLst>
       <p:ext uri="{BB962C8B-B14F-4D97-AF65-F5344CB8AC3E}">
-        <p14:creationId xmlns:p14="http://schemas.microsoft.com/office/powerpoint/2010/main" val="1954260401"/>
+        <p14:creationId xmlns:p14="http://schemas.microsoft.com/office/powerpoint/2010/main" val="2629444831"/>
       </p:ext>
     </p:extLst>
   </p:cSld>
